--- a/output.pptx
+++ b/output.pptx
@@ -6602,6 +6602,12 @@
               <a:t>TechInfra</a:t>
             </a:r>
           </a:p>
+          <a:p>
+            <a:pPr algn="l"/>
+            <a:r>
+              <a:t>Autosys Administration</a:t>
+            </a:r>
+          </a:p>
         </p:txBody>
       </p:sp>
       <p:graphicFrame>
@@ -7177,6 +7183,12 @@
               <a:t>TechInfra</a:t>
             </a:r>
           </a:p>
+          <a:p>
+            <a:pPr algn="l"/>
+            <a:r>
+              <a:t>MQ Administration</a:t>
+            </a:r>
+          </a:p>
         </p:txBody>
       </p:sp>
       <p:graphicFrame>
@@ -8075,6 +8087,12 @@
                 <a:latin typeface="Calibri"/>
               </a:rPr>
               <a:t>TechInfra</a:t>
+            </a:r>
+          </a:p>
+          <a:p>
+            <a:pPr algn="l"/>
+            <a:r>
+              <a:t>Windows Administration</a:t>
             </a:r>
           </a:p>
         </p:txBody>
@@ -10330,6 +10348,12 @@
               <a:t>TechInfra</a:t>
             </a:r>
           </a:p>
+          <a:p>
+            <a:pPr algn="l"/>
+            <a:r>
+              <a:t>SharePoint Administration</a:t>
+            </a:r>
+          </a:p>
         </p:txBody>
       </p:sp>
       <p:graphicFrame>
@@ -10917,6 +10941,12 @@
                 <a:latin typeface="Calibri"/>
               </a:rPr>
               <a:t>TechInfra</a:t>
+            </a:r>
+          </a:p>
+          <a:p>
+            <a:pPr algn="l"/>
+            <a:r>
+              <a:t>Oracle DB Administration</a:t>
             </a:r>
           </a:p>
         </p:txBody>
@@ -14352,6 +14382,12 @@
               <a:t>TechInfra</a:t>
             </a:r>
           </a:p>
+          <a:p>
+            <a:pPr algn="l"/>
+            <a:r>
+              <a:t>SQL Server Administration</a:t>
+            </a:r>
+          </a:p>
         </p:txBody>
       </p:sp>
       <p:graphicFrame>
@@ -15400,6 +15436,12 @@
                 <a:latin typeface="Calibri"/>
               </a:rPr>
               <a:t>TechInfra</a:t>
+            </a:r>
+          </a:p>
+          <a:p>
+            <a:pPr algn="l"/>
+            <a:r>
+              <a:t>Unix </a:t>
             </a:r>
           </a:p>
         </p:txBody>
